--- a/presentation/Timeless_Transport_Models_Presentatio.pptx
+++ b/presentation/Timeless_Transport_Models_Presentatio.pptx
@@ -914,7 +914,7 @@
           <a:p>
             <a:fld id="{5BCAD085-E8A6-8845-BD4E-CB4CCA059FC4}" type="datetimeFigureOut">
               <a:rPr lang="en-US" smtClean="0"/>
-              <a:t>3/22/2025</a:t>
+              <a:t>3/24/2025</a:t>
             </a:fld>
             <a:endParaRPr lang="en-US"/>
           </a:p>
@@ -1165,7 +1165,7 @@
           <a:p>
             <a:fld id="{5BCAD085-E8A6-8845-BD4E-CB4CCA059FC4}" type="datetimeFigureOut">
               <a:rPr lang="en-US" smtClean="0"/>
-              <a:t>3/22/2025</a:t>
+              <a:t>3/24/2025</a:t>
             </a:fld>
             <a:endParaRPr lang="en-US"/>
           </a:p>
@@ -1479,7 +1479,7 @@
           <a:p>
             <a:fld id="{5BCAD085-E8A6-8845-BD4E-CB4CCA059FC4}" type="datetimeFigureOut">
               <a:rPr lang="en-US" smtClean="0"/>
-              <a:t>3/22/2025</a:t>
+              <a:t>3/24/2025</a:t>
             </a:fld>
             <a:endParaRPr lang="en-US"/>
           </a:p>
@@ -1812,7 +1812,7 @@
           <a:p>
             <a:fld id="{5BCAD085-E8A6-8845-BD4E-CB4CCA059FC4}" type="datetimeFigureOut">
               <a:rPr lang="en-US" smtClean="0"/>
-              <a:t>3/22/2025</a:t>
+              <a:t>3/24/2025</a:t>
             </a:fld>
             <a:endParaRPr lang="en-US"/>
           </a:p>
@@ -2126,7 +2126,7 @@
           <a:p>
             <a:fld id="{5BCAD085-E8A6-8845-BD4E-CB4CCA059FC4}" type="datetimeFigureOut">
               <a:rPr lang="en-US" smtClean="0"/>
-              <a:t>3/22/2025</a:t>
+              <a:t>3/24/2025</a:t>
             </a:fld>
             <a:endParaRPr lang="en-US"/>
           </a:p>
@@ -2519,7 +2519,7 @@
           <a:p>
             <a:fld id="{5BCAD085-E8A6-8845-BD4E-CB4CCA059FC4}" type="datetimeFigureOut">
               <a:rPr lang="en-US" smtClean="0"/>
-              <a:t>3/22/2025</a:t>
+              <a:t>3/24/2025</a:t>
             </a:fld>
             <a:endParaRPr lang="en-US"/>
           </a:p>
@@ -2689,7 +2689,7 @@
           <a:p>
             <a:fld id="{5BCAD085-E8A6-8845-BD4E-CB4CCA059FC4}" type="datetimeFigureOut">
               <a:rPr lang="en-US" smtClean="0"/>
-              <a:t>3/22/2025</a:t>
+              <a:t>3/24/2025</a:t>
             </a:fld>
             <a:endParaRPr lang="en-US"/>
           </a:p>
@@ -2869,7 +2869,7 @@
           <a:p>
             <a:fld id="{5BCAD085-E8A6-8845-BD4E-CB4CCA059FC4}" type="datetimeFigureOut">
               <a:rPr lang="en-US" smtClean="0"/>
-              <a:t>3/22/2025</a:t>
+              <a:t>3/24/2025</a:t>
             </a:fld>
             <a:endParaRPr lang="en-US"/>
           </a:p>
@@ -3039,7 +3039,7 @@
           <a:p>
             <a:fld id="{5BCAD085-E8A6-8845-BD4E-CB4CCA059FC4}" type="datetimeFigureOut">
               <a:rPr lang="en-US" smtClean="0"/>
-              <a:t>3/22/2025</a:t>
+              <a:t>3/24/2025</a:t>
             </a:fld>
             <a:endParaRPr lang="en-US"/>
           </a:p>
@@ -3286,7 +3286,7 @@
           <a:p>
             <a:fld id="{5BCAD085-E8A6-8845-BD4E-CB4CCA059FC4}" type="datetimeFigureOut">
               <a:rPr lang="en-US" smtClean="0"/>
-              <a:t>3/22/2025</a:t>
+              <a:t>3/24/2025</a:t>
             </a:fld>
             <a:endParaRPr lang="en-US"/>
           </a:p>
@@ -3583,7 +3583,7 @@
           <a:p>
             <a:fld id="{5BCAD085-E8A6-8845-BD4E-CB4CCA059FC4}" type="datetimeFigureOut">
               <a:rPr lang="en-US" smtClean="0"/>
-              <a:t>3/22/2025</a:t>
+              <a:t>3/24/2025</a:t>
             </a:fld>
             <a:endParaRPr lang="en-US"/>
           </a:p>
@@ -3962,7 +3962,7 @@
           <a:p>
             <a:fld id="{5BCAD085-E8A6-8845-BD4E-CB4CCA059FC4}" type="datetimeFigureOut">
               <a:rPr lang="en-US" smtClean="0"/>
-              <a:t>3/22/2025</a:t>
+              <a:t>3/24/2025</a:t>
             </a:fld>
             <a:endParaRPr lang="en-US"/>
           </a:p>
@@ -4085,7 +4085,7 @@
           <a:p>
             <a:fld id="{5BCAD085-E8A6-8845-BD4E-CB4CCA059FC4}" type="datetimeFigureOut">
               <a:rPr lang="en-US" smtClean="0"/>
-              <a:t>3/22/2025</a:t>
+              <a:t>3/24/2025</a:t>
             </a:fld>
             <a:endParaRPr lang="en-US"/>
           </a:p>
@@ -4180,7 +4180,7 @@
           <a:p>
             <a:fld id="{5BCAD085-E8A6-8845-BD4E-CB4CCA059FC4}" type="datetimeFigureOut">
               <a:rPr lang="en-US" smtClean="0"/>
-              <a:t>3/22/2025</a:t>
+              <a:t>3/24/2025</a:t>
             </a:fld>
             <a:endParaRPr lang="en-US"/>
           </a:p>
@@ -4435,7 +4435,7 @@
           <a:p>
             <a:fld id="{5BCAD085-E8A6-8845-BD4E-CB4CCA059FC4}" type="datetimeFigureOut">
               <a:rPr lang="en-US" smtClean="0"/>
-              <a:t>3/22/2025</a:t>
+              <a:t>3/24/2025</a:t>
             </a:fld>
             <a:endParaRPr lang="en-US"/>
           </a:p>
@@ -4698,7 +4698,7 @@
           <a:p>
             <a:fld id="{5BCAD085-E8A6-8845-BD4E-CB4CCA059FC4}" type="datetimeFigureOut">
               <a:rPr lang="en-US" smtClean="0"/>
-              <a:t>3/22/2025</a:t>
+              <a:t>3/24/2025</a:t>
             </a:fld>
             <a:endParaRPr lang="en-US"/>
           </a:p>
@@ -5512,7 +5512,7 @@
           <a:p>
             <a:fld id="{5BCAD085-E8A6-8845-BD4E-CB4CCA059FC4}" type="datetimeFigureOut">
               <a:rPr lang="en-US" smtClean="0"/>
-              <a:t>3/22/2025</a:t>
+              <a:t>3/24/2025</a:t>
             </a:fld>
             <a:endParaRPr lang="en-US"/>
           </a:p>
@@ -7764,19 +7764,19 @@
           <a:lstStyle/>
           <a:p>
             <a:r>
-              <a:rPr dirty="0"/>
+              <a:rPr sz="1930" dirty="0"/>
               <a:t>Objective: </a:t>
             </a:r>
             <a:r>
-              <a:rPr lang="en-GB" dirty="0"/>
+              <a:rPr lang="en-GB" sz="1930" dirty="0"/>
               <a:t>Maximize profits for Timeless Transport Models between </a:t>
             </a:r>
             <a:r>
-              <a:rPr lang="en-GB" b="1" dirty="0"/>
+              <a:rPr lang="en-GB" sz="1930" b="1" dirty="0"/>
               <a:t>June 2005 and December 2005</a:t>
             </a:r>
             <a:r>
-              <a:rPr lang="en-GB" dirty="0"/>
+              <a:rPr lang="en-GB" sz="1930" dirty="0"/>
               <a:t> by focusing on key strategies:</a:t>
             </a:r>
           </a:p>
@@ -7786,11 +7786,11 @@
               <a:buChar char="•"/>
             </a:pPr>
             <a:r>
-              <a:rPr lang="en-GB" b="1" dirty="0"/>
+              <a:rPr lang="en-GB" sz="1930" b="1" dirty="0"/>
               <a:t>Optimizing Sales</a:t>
             </a:r>
             <a:r>
-              <a:rPr lang="en-GB" dirty="0"/>
+              <a:rPr lang="en-GB" sz="1930" dirty="0"/>
               <a:t>: Improve email marketing campaigns and customer engagement.</a:t>
             </a:r>
           </a:p>
@@ -7800,11 +7800,11 @@
               <a:buChar char="•"/>
             </a:pPr>
             <a:r>
-              <a:rPr lang="en-GB" b="1" dirty="0"/>
+              <a:rPr lang="en-GB" sz="1930" b="1" dirty="0"/>
               <a:t>Optimizing Production</a:t>
             </a:r>
             <a:r>
-              <a:rPr lang="en-GB" dirty="0"/>
+              <a:rPr lang="en-GB" sz="1930" dirty="0"/>
               <a:t>: Adjust schedules for peak demand in November.</a:t>
             </a:r>
           </a:p>
@@ -7814,11 +7814,11 @@
               <a:buChar char="•"/>
             </a:pPr>
             <a:r>
-              <a:rPr lang="en-GB" b="1" dirty="0"/>
+              <a:rPr lang="en-GB" sz="1930" b="1" dirty="0"/>
               <a:t>Targeting Products and Regions</a:t>
             </a:r>
             <a:r>
-              <a:rPr lang="en-GB" dirty="0"/>
+              <a:rPr lang="en-GB" sz="1930" dirty="0"/>
               <a:t>: Focus on top-performing products and regions.</a:t>
             </a:r>
           </a:p>
@@ -8682,7 +8682,7 @@
         <p:spPr>
           <a:xfrm>
             <a:off x="508000" y="609600"/>
-            <a:ext cx="6447501" cy="1320800"/>
+            <a:ext cx="4827183" cy="1722634"/>
           </a:xfrm>
         </p:spPr>
         <p:txBody>
@@ -8692,6 +8692,7 @@
           <a:lstStyle/>
           <a:p>
             <a:r>
+              <a:rPr sz="2800" dirty="0"/>
               <a:t>Key Insights from Engineering Resource Analysis</a:t>
             </a:r>
           </a:p>
@@ -8710,7 +8711,7 @@
         <p:spPr>
           <a:xfrm>
             <a:off x="508000" y="2160589"/>
-            <a:ext cx="6447501" cy="3880773"/>
+            <a:ext cx="4829563" cy="3880773"/>
           </a:xfrm>
         </p:spPr>
         <p:txBody>
@@ -8720,38 +8721,60 @@
           <a:lstStyle/>
           <a:p>
             <a:r>
-              <a:rPr dirty="0"/>
-              <a:t>Actionable Plan:</a:t>
-            </a:r>
-          </a:p>
-          <a:p>
-            <a:r>
-              <a:rPr dirty="0"/>
-              <a:t>- Optimize production schedules to meet peak demand (November).</a:t>
-            </a:r>
-          </a:p>
-          <a:p>
-            <a:r>
-              <a:rPr dirty="0"/>
-              <a:t>- Ensure efficient use of resources and reduce costs.</a:t>
-            </a:r>
-          </a:p>
-          <a:p>
-            <a:r>
-              <a:rPr dirty="0"/>
-              <a:t>Visual: Production cost trends or forecasts from Engineering Resource </a:t>
-            </a:r>
-            <a:r>
-              <a:rPr lang="en-US" dirty="0"/>
-              <a:t>projects</a:t>
-            </a:r>
-            <a:r>
-              <a:rPr dirty="0"/>
-              <a:t>.</a:t>
-            </a:r>
-          </a:p>
-        </p:txBody>
-      </p:sp>
+              <a:rPr lang="en-GB" dirty="0"/>
+              <a:t> Actionable Plan: </a:t>
+            </a:r>
+          </a:p>
+          <a:p>
+            <a:r>
+              <a:rPr lang="en-GB" dirty="0"/>
+              <a:t>Adjust production plans to meet high demand in November.</a:t>
+            </a:r>
+          </a:p>
+          <a:p>
+            <a:r>
+              <a:rPr lang="en-GB" dirty="0"/>
+              <a:t>Maximize resource efficiency and minimize production costs.</a:t>
+            </a:r>
+          </a:p>
+          <a:p>
+            <a:r>
+              <a:rPr lang="en-GB" dirty="0"/>
+              <a:t>forecasts of production costs derived from engineering resource planning data</a:t>
+            </a:r>
+          </a:p>
+        </p:txBody>
+      </p:sp>
+      <p:pic>
+        <p:nvPicPr>
+          <p:cNvPr id="5" name="Picture 4" descr="A graph showing a line graph">
+            <a:extLst>
+              <a:ext uri="{FF2B5EF4-FFF2-40B4-BE49-F238E27FC236}">
+                <a16:creationId xmlns:a16="http://schemas.microsoft.com/office/drawing/2014/main" id="{8316806B-B4E7-4898-4C90-10B7EBEED1B0}"/>
+              </a:ext>
+            </a:extLst>
+          </p:cNvPr>
+          <p:cNvPicPr>
+            <a:picLocks noChangeAspect="1"/>
+          </p:cNvPicPr>
+          <p:nvPr/>
+        </p:nvPicPr>
+        <p:blipFill>
+          <a:blip r:embed="rId2"/>
+          <a:stretch>
+            <a:fillRect/>
+          </a:stretch>
+        </p:blipFill>
+        <p:spPr>
+          <a:xfrm>
+            <a:off x="5178175" y="174661"/>
+            <a:ext cx="3965826" cy="6691806"/>
+          </a:xfrm>
+          <a:prstGeom prst="rect">
+            <a:avLst/>
+          </a:prstGeom>
+        </p:spPr>
+      </p:pic>
     </p:spTree>
   </p:cSld>
   <p:clrMapOvr>
@@ -8766,7 +8789,7 @@
     <p:bg>
       <p:bgPr>
         <a:solidFill>
-          <a:schemeClr val="bg2"/>
+          <a:schemeClr val="bg1"/>
         </a:solidFill>
         <a:effectLst/>
       </p:bgPr>
@@ -8785,24 +8808,113 @@
           <a:chExt cx="0" cy="0"/>
         </a:xfrm>
       </p:grpSpPr>
-      <p:sp>
-        <p:nvSpPr>
-          <p:cNvPr id="2" name="Title 1"/>
-          <p:cNvSpPr>
-            <a:spLocks noGrp="1"/>
-          </p:cNvSpPr>
-          <p:nvPr>
-            <p:ph type="title"/>
+      <p:sp useBgFill="1">
+        <p:nvSpPr>
+          <p:cNvPr id="60" name="Rectangle 59">
+            <a:extLst>
+              <a:ext uri="{FF2B5EF4-FFF2-40B4-BE49-F238E27FC236}">
+                <a16:creationId xmlns:a16="http://schemas.microsoft.com/office/drawing/2014/main" id="{8267EEE4-6354-4F1C-9484-951F0EB92F1B}"/>
+              </a:ext>
+              <a:ext uri="{C183D7F6-B498-43B3-948B-1728B52AA6E4}">
+                <adec:decorative xmlns:adec="http://schemas.microsoft.com/office/drawing/2017/decorative" val="1"/>
+              </a:ext>
+            </a:extLst>
+          </p:cNvPr>
+          <p:cNvSpPr>
+            <a:spLocks noGrp="1" noRot="1" noChangeAspect="1" noMove="1" noResize="1" noEditPoints="1" noAdjustHandles="1" noChangeArrowheads="1" noChangeShapeType="1" noTextEdit="1"/>
+          </p:cNvSpPr>
+          <p:nvPr>
+            <p:extLst>
+              <p:ext uri="{386F3935-93C4-4BCD-93E2-E3B085C9AB24}">
+                <p16:designElem xmlns:p16="http://schemas.microsoft.com/office/powerpoint/2015/main" val="1"/>
+              </p:ext>
+            </p:extLst>
           </p:nvPr>
         </p:nvSpPr>
         <p:spPr>
           <a:xfrm>
-            <a:off x="4152550" y="609600"/>
-            <a:ext cx="2802951" cy="1320800"/>
+            <a:off x="2382" y="0"/>
+            <a:ext cx="9139236" cy="6858000"/>
+          </a:xfrm>
+          <a:prstGeom prst="rect">
+            <a:avLst/>
+          </a:prstGeom>
+          <a:ln>
+            <a:noFill/>
+          </a:ln>
+        </p:spPr>
+        <p:style>
+          <a:lnRef idx="2">
+            <a:schemeClr val="accent1">
+              <a:shade val="50000"/>
+            </a:schemeClr>
+          </a:lnRef>
+          <a:fillRef idx="1">
+            <a:schemeClr val="accent1"/>
+          </a:fillRef>
+          <a:effectRef idx="0">
+            <a:schemeClr val="accent1"/>
+          </a:effectRef>
+          <a:fontRef idx="minor">
+            <a:schemeClr val="lt1"/>
+          </a:fontRef>
+        </p:style>
+        <p:txBody>
+          <a:bodyPr rtlCol="0" anchor="ctr"/>
+          <a:lstStyle/>
+          <a:p>
+            <a:pPr marL="0" marR="0" lvl="0" indent="0" algn="ctr" defTabSz="457200" rtl="0" eaLnBrk="1" fontAlgn="auto" latinLnBrk="0" hangingPunct="1">
+              <a:lnSpc>
+                <a:spcPct val="100000"/>
+              </a:lnSpc>
+              <a:spcBef>
+                <a:spcPts val="0"/>
+              </a:spcBef>
+              <a:spcAft>
+                <a:spcPts val="0"/>
+              </a:spcAft>
+              <a:buClrTx/>
+              <a:buSzTx/>
+              <a:buFontTx/>
+              <a:buNone/>
+              <a:tabLst/>
+              <a:defRPr/>
+            </a:pPr>
+            <a:endParaRPr kumimoji="0" lang="en-US" sz="1800" b="0" i="0" u="none" strike="noStrike" kern="1200" cap="none" spc="0" normalizeH="0" baseline="0" noProof="0">
+              <a:ln>
+                <a:noFill/>
+              </a:ln>
+              <a:solidFill>
+                <a:prstClr val="white"/>
+              </a:solidFill>
+              <a:effectLst/>
+              <a:uLnTx/>
+              <a:uFillTx/>
+              <a:latin typeface="Trebuchet MS" panose="020B0603020202020204"/>
+              <a:ea typeface="+mn-ea"/>
+              <a:cs typeface="+mn-cs"/>
+            </a:endParaRPr>
+          </a:p>
+        </p:txBody>
+      </p:sp>
+      <p:sp>
+        <p:nvSpPr>
+          <p:cNvPr id="2" name="Title 1"/>
+          <p:cNvSpPr>
+            <a:spLocks noGrp="1"/>
+          </p:cNvSpPr>
+          <p:nvPr>
+            <p:ph type="title"/>
+          </p:nvPr>
+        </p:nvSpPr>
+        <p:spPr>
+          <a:xfrm>
+            <a:off x="742326" y="609600"/>
+            <a:ext cx="4756774" cy="1117600"/>
           </a:xfrm>
         </p:spPr>
         <p:txBody>
-          <a:bodyPr>
+          <a:bodyPr anchor="ctr">
             <a:normAutofit/>
           </a:bodyPr>
           <a:lstStyle/>
@@ -8821,149 +8933,10 @@
       </p:sp>
       <p:sp>
         <p:nvSpPr>
-          <p:cNvPr id="3" name="Content Placeholder 2"/>
-          <p:cNvSpPr>
-            <a:spLocks noGrp="1"/>
-          </p:cNvSpPr>
-          <p:nvPr>
-            <p:ph idx="1"/>
-          </p:nvPr>
-        </p:nvSpPr>
-        <p:spPr>
-          <a:xfrm>
-            <a:off x="3907172" y="2160589"/>
-            <a:ext cx="3048329" cy="3880773"/>
-          </a:xfrm>
-        </p:spPr>
-        <p:txBody>
-          <a:bodyPr>
-            <a:normAutofit/>
-          </a:bodyPr>
-          <a:lstStyle/>
-          <a:p>
-            <a:pPr>
-              <a:lnSpc>
-                <a:spcPct val="90000"/>
-              </a:lnSpc>
-            </a:pPr>
-            <a:r>
-              <a:rPr dirty="0"/>
-              <a:t>Actionable Plan:</a:t>
-            </a:r>
-            <a:endParaRPr lang="en-US" dirty="0"/>
-          </a:p>
-          <a:p>
-            <a:pPr>
-              <a:lnSpc>
-                <a:spcPct val="90000"/>
-              </a:lnSpc>
-            </a:pPr>
-            <a:r>
-              <a:rPr dirty="0"/>
-              <a:t>- Use urgent-tone emails to maximize open and click rates.</a:t>
-            </a:r>
-            <a:endParaRPr lang="en-US" dirty="0"/>
-          </a:p>
-          <a:p>
-            <a:pPr>
-              <a:lnSpc>
-                <a:spcPct val="90000"/>
-              </a:lnSpc>
-            </a:pPr>
-            <a:r>
-              <a:rPr dirty="0"/>
-              <a:t>- Schedule emails on Mondays for optimal engagement.</a:t>
-            </a:r>
-            <a:endParaRPr lang="en-US" dirty="0"/>
-          </a:p>
-          <a:p>
-            <a:pPr>
-              <a:lnSpc>
-                <a:spcPct val="90000"/>
-              </a:lnSpc>
-            </a:pPr>
-            <a:r>
-              <a:rPr dirty="0"/>
-              <a:t>- Focus on high-performing regions: USA, Australia.</a:t>
-            </a:r>
-            <a:endParaRPr lang="en-US" dirty="0"/>
-          </a:p>
-          <a:p>
-            <a:pPr>
-              <a:lnSpc>
-                <a:spcPct val="90000"/>
-              </a:lnSpc>
-            </a:pPr>
-            <a:r>
-              <a:rPr dirty="0"/>
-              <a:t>Visual: Open rates by email tone and day of the week.</a:t>
-            </a:r>
-            <a:endParaRPr lang="en-US" dirty="0"/>
-          </a:p>
-        </p:txBody>
-      </p:sp>
-      <p:pic>
-        <p:nvPicPr>
-          <p:cNvPr id="5" name="Picture 4" descr="Person holding mouse">
+          <p:cNvPr id="61" name="Isosceles Triangle 60">
             <a:extLst>
               <a:ext uri="{FF2B5EF4-FFF2-40B4-BE49-F238E27FC236}">
-                <a16:creationId xmlns:a16="http://schemas.microsoft.com/office/drawing/2014/main" id="{5ACB4723-CC53-CFE6-876D-312065021739}"/>
-              </a:ext>
-            </a:extLst>
-          </p:cNvPr>
-          <p:cNvPicPr>
-            <a:picLocks noChangeAspect="1"/>
-          </p:cNvPicPr>
-          <p:nvPr/>
-        </p:nvPicPr>
-        <p:blipFill>
-          <a:blip r:embed="rId2"/>
-          <a:srcRect l="34520" r="26097" b="-2"/>
-          <a:stretch/>
-        </p:blipFill>
-        <p:spPr>
-          <a:xfrm>
-            <a:off x="20" y="-1"/>
-            <a:ext cx="4046200" cy="6858001"/>
-          </a:xfrm>
-          <a:custGeom>
-            <a:avLst/>
-            <a:gdLst/>
-            <a:ahLst/>
-            <a:cxnLst/>
-            <a:rect l="l" t="t" r="r" b="b"/>
-            <a:pathLst>
-              <a:path w="5394960" h="6858000">
-                <a:moveTo>
-                  <a:pt x="842596" y="0"/>
-                </a:moveTo>
-                <a:lnTo>
-                  <a:pt x="5394960" y="0"/>
-                </a:lnTo>
-                <a:lnTo>
-                  <a:pt x="5394960" y="21851"/>
-                </a:lnTo>
-                <a:lnTo>
-                  <a:pt x="4365943" y="6858000"/>
-                </a:lnTo>
-                <a:lnTo>
-                  <a:pt x="0" y="6858000"/>
-                </a:lnTo>
-                <a:lnTo>
-                  <a:pt x="0" y="5666154"/>
-                </a:lnTo>
-                <a:close/>
-              </a:path>
-            </a:pathLst>
-          </a:custGeom>
-        </p:spPr>
-      </p:pic>
-      <p:sp>
-        <p:nvSpPr>
-          <p:cNvPr id="14" name="Isosceles Triangle 13">
-            <a:extLst>
-              <a:ext uri="{FF2B5EF4-FFF2-40B4-BE49-F238E27FC236}">
-                <a16:creationId xmlns:a16="http://schemas.microsoft.com/office/drawing/2014/main" id="{3BCB5F6A-9EB0-40B0-9D13-3023E9A20508}"/>
+                <a16:creationId xmlns:a16="http://schemas.microsoft.com/office/drawing/2014/main" id="{0E5A83F9-E6B8-40BD-9C0D-9A6F15650742}"/>
               </a:ext>
               <a:ext uri="{C183D7F6-B498-43B3-948B-1728B52AA6E4}">
                 <adec:decorative xmlns:adec="http://schemas.microsoft.com/office/drawing/2017/decorative" val="1"/>
@@ -8992,7 +8965,9 @@
             </a:avLst>
           </a:prstGeom>
           <a:solidFill>
-            <a:schemeClr val="accent1"/>
+            <a:srgbClr val="7C6D5B">
+              <a:alpha val="85000"/>
+            </a:srgbClr>
           </a:solidFill>
           <a:ln>
             <a:noFill/>
@@ -9021,10 +8996,121 @@
           </a:p>
         </p:txBody>
       </p:sp>
+      <p:sp>
+        <p:nvSpPr>
+          <p:cNvPr id="3" name="Content Placeholder 2"/>
+          <p:cNvSpPr>
+            <a:spLocks noGrp="1"/>
+          </p:cNvSpPr>
+          <p:nvPr>
+            <p:ph idx="1"/>
+          </p:nvPr>
+        </p:nvSpPr>
+        <p:spPr>
+          <a:xfrm>
+            <a:off x="742327" y="2160589"/>
+            <a:ext cx="4162299" cy="3505565"/>
+          </a:xfrm>
+        </p:spPr>
+        <p:txBody>
+          <a:bodyPr>
+            <a:noAutofit/>
+          </a:bodyPr>
+          <a:lstStyle/>
+          <a:p>
+            <a:r>
+              <a:rPr lang="en-GB" sz="2000" dirty="0"/>
+              <a:t>Actionable Plan:</a:t>
+            </a:r>
+          </a:p>
+          <a:p>
+            <a:r>
+              <a:rPr lang="en-GB" sz="2000" dirty="0"/>
+              <a:t>- Use urgent-tone emails to maximize open and click rates.</a:t>
+            </a:r>
+          </a:p>
+          <a:p>
+            <a:r>
+              <a:rPr lang="en-GB" sz="2000" dirty="0"/>
+              <a:t>- Schedule emails on Mondays for optimal engagement.</a:t>
+            </a:r>
+          </a:p>
+          <a:p>
+            <a:r>
+              <a:rPr lang="en-GB" sz="2000" dirty="0"/>
+              <a:t>- Focus on high-performing regions: USA, Australia.</a:t>
+            </a:r>
+          </a:p>
+          <a:p>
+            <a:r>
+              <a:rPr lang="en-GB" sz="2000" dirty="0"/>
+              <a:t>Visual: Open rates by email tone and day of the week.</a:t>
+            </a:r>
+          </a:p>
+        </p:txBody>
+      </p:sp>
+      <p:pic>
+        <p:nvPicPr>
+          <p:cNvPr id="5" name="Picture 4" descr="Person holding mouse">
+            <a:extLst>
+              <a:ext uri="{FF2B5EF4-FFF2-40B4-BE49-F238E27FC236}">
+                <a16:creationId xmlns:a16="http://schemas.microsoft.com/office/drawing/2014/main" id="{5ACB4723-CC53-CFE6-876D-312065021739}"/>
+              </a:ext>
+            </a:extLst>
+          </p:cNvPr>
+          <p:cNvPicPr>
+            <a:picLocks noChangeAspect="1"/>
+          </p:cNvPicPr>
+          <p:nvPr/>
+        </p:nvPicPr>
+        <p:blipFill>
+          <a:blip r:embed="rId2"/>
+          <a:srcRect l="17251" r="15134" b="-3"/>
+          <a:stretch/>
+        </p:blipFill>
+        <p:spPr>
+          <a:xfrm>
+            <a:off x="5648611" y="10"/>
+            <a:ext cx="3493006" cy="3448414"/>
+          </a:xfrm>
+          <a:prstGeom prst="rect">
+            <a:avLst/>
+          </a:prstGeom>
+        </p:spPr>
+      </p:pic>
+      <p:pic>
+        <p:nvPicPr>
+          <p:cNvPr id="9" name="Picture 8" descr="A screenshot of a computer&#10;&#10;AI-generated content may be incorrect.">
+            <a:extLst>
+              <a:ext uri="{FF2B5EF4-FFF2-40B4-BE49-F238E27FC236}">
+                <a16:creationId xmlns:a16="http://schemas.microsoft.com/office/drawing/2014/main" id="{996E14F1-A692-DE55-22C4-F02109C77D9B}"/>
+              </a:ext>
+            </a:extLst>
+          </p:cNvPr>
+          <p:cNvPicPr>
+            <a:picLocks noChangeAspect="1"/>
+          </p:cNvPicPr>
+          <p:nvPr/>
+        </p:nvPicPr>
+        <p:blipFill>
+          <a:blip r:embed="rId3"/>
+          <a:srcRect l="6145" r="16439" b="4"/>
+          <a:stretch/>
+        </p:blipFill>
+        <p:spPr>
+          <a:xfrm>
+            <a:off x="5321300" y="-127000"/>
+            <a:ext cx="3822700" cy="6984990"/>
+          </a:xfrm>
+          <a:prstGeom prst="rect">
+            <a:avLst/>
+          </a:prstGeom>
+        </p:spPr>
+      </p:pic>
     </p:spTree>
   </p:cSld>
   <p:clrMapOvr>
-    <a:overrideClrMapping bg1="dk1" tx1="lt1" bg2="dk2" tx2="lt2" accent1="accent1" accent2="accent2" accent3="accent3" accent4="accent4" accent5="accent5" accent6="accent6" hlink="hlink" folHlink="folHlink"/>
+    <a:masterClrMapping/>
   </p:clrMapOvr>
 </p:sld>
 </file>
@@ -9250,23 +9336,23 @@
         </p:nvSpPr>
         <p:spPr>
           <a:xfrm>
-            <a:off x="505315" y="643467"/>
-            <a:ext cx="3152284" cy="1375608"/>
+            <a:off x="505315" y="101601"/>
+            <a:ext cx="2656986" cy="1143000"/>
           </a:xfrm>
         </p:spPr>
         <p:txBody>
           <a:bodyPr anchor="ctr">
-            <a:normAutofit/>
+            <a:normAutofit fontScale="90000"/>
           </a:bodyPr>
           <a:lstStyle/>
           <a:p>
             <a:r>
-              <a:rPr lang="en-GB" sz="3300">
+              <a:rPr lang="en-GB" sz="2400" dirty="0">
                 <a:solidFill>
                   <a:schemeClr val="bg1"/>
                 </a:solidFill>
               </a:rPr>
-              <a:t>Key Insights from Sales Data</a:t>
+              <a:t>Key Insights from the Sales Tracking Dashboard</a:t>
             </a:r>
           </a:p>
         </p:txBody>
@@ -9283,13 +9369,13 @@
         </p:nvSpPr>
         <p:spPr>
           <a:xfrm>
-            <a:off x="505315" y="2160590"/>
-            <a:ext cx="2980457" cy="3440110"/>
+            <a:off x="505315" y="1244601"/>
+            <a:ext cx="2980457" cy="5511800"/>
           </a:xfrm>
         </p:spPr>
         <p:txBody>
           <a:bodyPr>
-            <a:normAutofit/>
+            <a:noAutofit/>
           </a:bodyPr>
           <a:lstStyle/>
           <a:p>
@@ -9299,7 +9385,7 @@
               </a:lnSpc>
             </a:pPr>
             <a:r>
-              <a:rPr lang="en-GB" sz="1500">
+              <a:rPr lang="en-GB" sz="2000" dirty="0">
                 <a:solidFill>
                   <a:schemeClr val="bg1"/>
                 </a:solidFill>
@@ -9314,12 +9400,12 @@
               </a:lnSpc>
             </a:pPr>
             <a:r>
-              <a:rPr lang="en-GB" sz="1500">
+              <a:rPr lang="en-GB" sz="2000" dirty="0">
                 <a:solidFill>
                   <a:schemeClr val="bg1"/>
                 </a:solidFill>
               </a:rPr>
-              <a:t>- Top products: Classic Cars, Vintage Cars.</a:t>
+              <a:t>- Top products: Classic Cars, Vintage Cars lead in revenue generation</a:t>
             </a:r>
           </a:p>
           <a:p>
@@ -9329,12 +9415,12 @@
               </a:lnSpc>
             </a:pPr>
             <a:r>
-              <a:rPr lang="en-GB" sz="1500">
+              <a:rPr lang="en-GB" sz="2000" dirty="0">
                 <a:solidFill>
                   <a:schemeClr val="bg1"/>
                 </a:solidFill>
               </a:rPr>
-              <a:t>- High-performing regions: USA, Australia, France.</a:t>
+              <a:t>- High-performing regions: USA, Australia, France show strongest sales performance </a:t>
             </a:r>
           </a:p>
           <a:p>
@@ -9344,7 +9430,7 @@
               </a:lnSpc>
             </a:pPr>
             <a:r>
-              <a:rPr lang="en-GB" sz="1500">
+              <a:rPr lang="en-GB" sz="2000" dirty="0">
                 <a:solidFill>
                   <a:schemeClr val="bg1"/>
                 </a:solidFill>
@@ -9359,7 +9445,7 @@
               </a:lnSpc>
             </a:pPr>
             <a:r>
-              <a:rPr lang="en-GB" sz="1500">
+              <a:rPr lang="en-GB" sz="2000" dirty="0">
                 <a:solidFill>
                   <a:schemeClr val="bg1"/>
                 </a:solidFill>
@@ -9374,7 +9460,7 @@
               </a:lnSpc>
             </a:pPr>
             <a:r>
-              <a:rPr lang="en-GB" sz="1500">
+              <a:rPr lang="en-GB" sz="2000" dirty="0">
                 <a:solidFill>
                   <a:schemeClr val="bg1"/>
                 </a:solidFill>
@@ -9384,29 +9470,6 @@
           </a:p>
         </p:txBody>
       </p:sp>
-      <p:pic>
-        <p:nvPicPr>
-          <p:cNvPr id="4" name="Picture 3" descr="sales_trends_product_line.png"/>
-          <p:cNvPicPr>
-            <a:picLocks noChangeAspect="1"/>
-          </p:cNvPicPr>
-          <p:nvPr/>
-        </p:nvPicPr>
-        <p:blipFill>
-          <a:blip r:embed="rId2"/>
-          <a:srcRect l="33466" r="31134"/>
-          <a:stretch/>
-        </p:blipFill>
-        <p:spPr>
-          <a:xfrm>
-            <a:off x="4000409" y="540622"/>
-            <a:ext cx="4561700" cy="5860178"/>
-          </a:xfrm>
-          <a:prstGeom prst="rect">
-            <a:avLst/>
-          </a:prstGeom>
-        </p:spPr>
-      </p:pic>
       <p:sp>
         <p:nvSpPr>
           <p:cNvPr id="20" name="Isosceles Triangle 19">
@@ -9472,6 +9535,66 @@
           </a:p>
         </p:txBody>
       </p:sp>
+      <p:pic>
+        <p:nvPicPr>
+          <p:cNvPr id="6" name="Picture 5" descr="A screenshot of a graph&#10;&#10;AI-generated content may be incorrect.">
+            <a:extLst>
+              <a:ext uri="{FF2B5EF4-FFF2-40B4-BE49-F238E27FC236}">
+                <a16:creationId xmlns:a16="http://schemas.microsoft.com/office/drawing/2014/main" id="{8A9F3791-717C-EE9C-E514-CC6C4C55CE06}"/>
+              </a:ext>
+            </a:extLst>
+          </p:cNvPr>
+          <p:cNvPicPr>
+            <a:picLocks noChangeAspect="1"/>
+          </p:cNvPicPr>
+          <p:nvPr/>
+        </p:nvPicPr>
+        <p:blipFill>
+          <a:blip r:embed="rId2"/>
+          <a:stretch>
+            <a:fillRect/>
+          </a:stretch>
+        </p:blipFill>
+        <p:spPr>
+          <a:xfrm>
+            <a:off x="3504417" y="0"/>
+            <a:ext cx="5639584" cy="3644900"/>
+          </a:xfrm>
+          <a:prstGeom prst="rect">
+            <a:avLst/>
+          </a:prstGeom>
+        </p:spPr>
+      </p:pic>
+      <p:pic>
+        <p:nvPicPr>
+          <p:cNvPr id="8" name="Picture 7" descr="A graph with numbers and text&#10;&#10;AI-generated content may be incorrect.">
+            <a:extLst>
+              <a:ext uri="{FF2B5EF4-FFF2-40B4-BE49-F238E27FC236}">
+                <a16:creationId xmlns:a16="http://schemas.microsoft.com/office/drawing/2014/main" id="{C74B7AAE-D0C2-017E-90A8-BA07B19F3111}"/>
+              </a:ext>
+            </a:extLst>
+          </p:cNvPr>
+          <p:cNvPicPr>
+            <a:picLocks noChangeAspect="1"/>
+          </p:cNvPicPr>
+          <p:nvPr/>
+        </p:nvPicPr>
+        <p:blipFill>
+          <a:blip r:embed="rId3"/>
+          <a:stretch>
+            <a:fillRect/>
+          </a:stretch>
+        </p:blipFill>
+        <p:spPr>
+          <a:xfrm>
+            <a:off x="3504416" y="3429000"/>
+            <a:ext cx="5639583" cy="3428997"/>
+          </a:xfrm>
+          <a:prstGeom prst="rect">
+            <a:avLst/>
+          </a:prstGeom>
+        </p:spPr>
+      </p:pic>
     </p:spTree>
   </p:cSld>
   <p:clrMapOvr>
@@ -9701,7 +9824,7 @@
         </p:nvSpPr>
         <p:spPr>
           <a:xfrm>
-            <a:off x="505315" y="643467"/>
+            <a:off x="387547" y="392491"/>
             <a:ext cx="3152284" cy="1375608"/>
           </a:xfrm>
         </p:spPr>
@@ -9855,30 +9978,6 @@
           </a:p>
         </p:txBody>
       </p:sp>
-      <p:pic>
-        <p:nvPicPr>
-          <p:cNvPr id="4" name="Picture 3" descr="sales_by_region.png"/>
-          <p:cNvPicPr>
-            <a:picLocks noChangeAspect="1"/>
-          </p:cNvPicPr>
-          <p:nvPr/>
-        </p:nvPicPr>
-        <p:blipFill>
-          <a:blip r:embed="rId2"/>
-          <a:stretch>
-            <a:fillRect/>
-          </a:stretch>
-        </p:blipFill>
-        <p:spPr>
-          <a:xfrm>
-            <a:off x="4572000" y="1228436"/>
-            <a:ext cx="4710545" cy="5403273"/>
-          </a:xfrm>
-          <a:prstGeom prst="rect">
-            <a:avLst/>
-          </a:prstGeom>
-        </p:spPr>
-      </p:pic>
       <p:sp>
         <p:nvSpPr>
           <p:cNvPr id="15" name="Isosceles Triangle 14">
@@ -10005,7 +10104,7 @@
               </a:lnSpc>
             </a:pPr>
             <a:r>
-              <a:rPr lang="en-GB" sz="2000"/>
+              <a:rPr lang="en-GB" sz="2000" dirty="0"/>
               <a:t>Recommendation 2: Target Product Sales to Match Demand</a:t>
             </a:r>
           </a:p>
@@ -10024,7 +10123,7 @@
         <p:spPr>
           <a:xfrm>
             <a:off x="3907172" y="2160589"/>
-            <a:ext cx="3048329" cy="3880773"/>
+            <a:ext cx="4779628" cy="4087811"/>
           </a:xfrm>
         </p:spPr>
         <p:txBody>
@@ -10039,7 +10138,7 @@
               </a:lnSpc>
             </a:pPr>
             <a:r>
-              <a:rPr lang="en-GB" sz="1700"/>
+              <a:rPr lang="en-GB" sz="1700" dirty="0"/>
               <a:t>Actionable Plan:</a:t>
             </a:r>
           </a:p>
@@ -10050,7 +10149,7 @@
               </a:lnSpc>
             </a:pPr>
             <a:r>
-              <a:rPr lang="en-GB" sz="1700"/>
+              <a:rPr lang="en-GB" sz="1700" dirty="0"/>
               <a:t>- Promote Classic Cars, Vintage Cars during peak season.</a:t>
             </a:r>
           </a:p>
@@ -10061,7 +10160,7 @@
               </a:lnSpc>
             </a:pPr>
             <a:r>
-              <a:rPr lang="en-GB" sz="1700"/>
+              <a:rPr lang="en-GB" sz="1700" dirty="0"/>
               <a:t>- Align promotions with sales trends.</a:t>
             </a:r>
           </a:p>
@@ -10072,7 +10171,7 @@
               </a:lnSpc>
             </a:pPr>
             <a:r>
-              <a:rPr lang="en-GB" sz="1700"/>
+              <a:rPr lang="en-GB" sz="1700" dirty="0"/>
               <a:t>Data Insight:</a:t>
             </a:r>
           </a:p>
@@ -10083,7 +10182,7 @@
               </a:lnSpc>
             </a:pPr>
             <a:r>
-              <a:rPr lang="en-GB" sz="1700"/>
+              <a:rPr lang="en-GB" sz="1700" dirty="0"/>
               <a:t>- Classic Cars, Vintage Cars have the highest sales.</a:t>
             </a:r>
           </a:p>
@@ -10094,7 +10193,7 @@
               </a:lnSpc>
             </a:pPr>
             <a:r>
-              <a:rPr lang="en-GB" sz="1700"/>
+              <a:rPr lang="en-GB" sz="1700" dirty="0"/>
               <a:t>- Best-selling products should be promoted during peak months.</a:t>
             </a:r>
           </a:p>
@@ -10314,9 +10413,10 @@
               </a:lnSpc>
             </a:pPr>
             <a:r>
+              <a:rPr dirty="0"/>
               <a:t>Actionable Plan:</a:t>
             </a:r>
-            <a:endParaRPr lang="en-US"/>
+            <a:endParaRPr lang="en-US" dirty="0"/>
           </a:p>
           <a:p>
             <a:pPr>
@@ -10325,9 +10425,10 @@
               </a:lnSpc>
             </a:pPr>
             <a:r>
+              <a:rPr dirty="0"/>
               <a:t>- Adjust production schedules for Classic Cars, Vintage Cars.</a:t>
             </a:r>
-            <a:endParaRPr lang="en-US"/>
+            <a:endParaRPr lang="en-US" dirty="0"/>
           </a:p>
           <a:p>
             <a:pPr>
@@ -10336,9 +10437,10 @@
               </a:lnSpc>
             </a:pPr>
             <a:r>
+              <a:rPr dirty="0"/>
               <a:t>- Focus production on high-demand regions: USA, APAC, EMEA.</a:t>
             </a:r>
-            <a:endParaRPr lang="en-US"/>
+            <a:endParaRPr lang="en-US" dirty="0"/>
           </a:p>
           <a:p>
             <a:pPr>
@@ -10347,9 +10449,10 @@
               </a:lnSpc>
             </a:pPr>
             <a:r>
+              <a:rPr dirty="0"/>
               <a:t>Data Insight:</a:t>
             </a:r>
-            <a:endParaRPr lang="en-US"/>
+            <a:endParaRPr lang="en-US" dirty="0"/>
           </a:p>
           <a:p>
             <a:pPr>
@@ -10358,9 +10461,10 @@
               </a:lnSpc>
             </a:pPr>
             <a:r>
+              <a:rPr dirty="0"/>
               <a:t>- APAC and EMEA regions require more production due to higher sales in these areas.</a:t>
             </a:r>
-            <a:endParaRPr lang="en-US"/>
+            <a:endParaRPr lang="en-US" dirty="0"/>
           </a:p>
         </p:txBody>
       </p:sp>
@@ -10557,8 +10661,8 @@
         </p:nvSpPr>
         <p:spPr>
           <a:xfrm>
-            <a:off x="3907172" y="2160589"/>
-            <a:ext cx="3048329" cy="3880773"/>
+            <a:off x="3810000" y="1295400"/>
+            <a:ext cx="5333980" cy="5562599"/>
           </a:xfrm>
         </p:spPr>
         <p:txBody>
@@ -10568,69 +10672,78 @@
           <a:lstStyle/>
           <a:p>
             <a:pPr>
+              <a:buNone/>
+            </a:pPr>
+            <a:r>
+              <a:rPr lang="en-GB" sz="1600" b="1" dirty="0"/>
+              <a:t>Conclusion Statement</a:t>
+            </a:r>
+          </a:p>
+          <a:p>
+            <a:pPr>
+              <a:buNone/>
+            </a:pPr>
+            <a:r>
+              <a:rPr lang="en-GB" sz="1600" dirty="0"/>
+              <a:t>To boost growth and performance, three key strategies are recommended:</a:t>
+            </a:r>
+          </a:p>
+          <a:p>
+            <a:pPr>
+              <a:buFont typeface="Arial" panose="020B0604020202020204" pitchFamily="34" charset="0"/>
+              <a:buChar char="•"/>
+            </a:pPr>
+            <a:r>
+              <a:rPr lang="en-GB" sz="1600" b="1" dirty="0"/>
+              <a:t>Enhance email marketing</a:t>
+            </a:r>
+            <a:r>
+              <a:rPr lang="en-GB" sz="1600" dirty="0"/>
+              <a:t> with urgent-tone messages sent on Mondays in top regions (USA, Australia).</a:t>
+            </a:r>
+          </a:p>
+          <a:p>
+            <a:pPr>
+              <a:buFont typeface="Arial" panose="020B0604020202020204" pitchFamily="34" charset="0"/>
+              <a:buChar char="•"/>
+            </a:pPr>
+            <a:r>
+              <a:rPr lang="en-GB" sz="1600" b="1" dirty="0"/>
+              <a:t>Promote high-demand products</a:t>
+            </a:r>
+            <a:r>
+              <a:rPr lang="en-GB" sz="1600" dirty="0"/>
+              <a:t> like Classic and Vintage Cars during peak seasons.</a:t>
+            </a:r>
+          </a:p>
+          <a:p>
+            <a:pPr>
+              <a:buFont typeface="Arial" panose="020B0604020202020204" pitchFamily="34" charset="0"/>
+              <a:buChar char="•"/>
+            </a:pPr>
+            <a:r>
+              <a:rPr lang="en-GB" sz="1600" b="1" dirty="0"/>
+              <a:t>Adjust production</a:t>
+            </a:r>
+            <a:r>
+              <a:rPr lang="en-GB" sz="1600" dirty="0"/>
+              <a:t> to meet demand in key markets (APAC, EMEA).</a:t>
+            </a:r>
+          </a:p>
+          <a:p>
+            <a:r>
+              <a:rPr lang="en-GB" sz="1600" dirty="0"/>
+              <a:t>These data-driven actions will improve engagement, increase sales, and streamline operations.</a:t>
+            </a:r>
+          </a:p>
+          <a:p>
+            <a:pPr marL="0" indent="0">
               <a:lnSpc>
                 <a:spcPct val="90000"/>
               </a:lnSpc>
+              <a:buNone/>
             </a:pPr>
-            <a:r>
-              <a:rPr lang="en-GB" sz="1500"/>
-              <a:t>Summary:</a:t>
-            </a:r>
-          </a:p>
-          <a:p>
-            <a:pPr>
-              <a:lnSpc>
-                <a:spcPct val="90000"/>
-              </a:lnSpc>
-            </a:pPr>
-            <a:r>
-              <a:rPr lang="en-GB" sz="1500"/>
-              <a:t>- Implement urgent-tone emails, schedule on Mondays.</a:t>
-            </a:r>
-          </a:p>
-          <a:p>
-            <a:pPr>
-              <a:lnSpc>
-                <a:spcPct val="90000"/>
-              </a:lnSpc>
-            </a:pPr>
-            <a:r>
-              <a:rPr lang="en-GB" sz="1500"/>
-              <a:t>- Focus on Classic Cars, Vintage Cars during November.</a:t>
-            </a:r>
-          </a:p>
-          <a:p>
-            <a:pPr>
-              <a:lnSpc>
-                <a:spcPct val="90000"/>
-              </a:lnSpc>
-            </a:pPr>
-            <a:r>
-              <a:rPr lang="en-GB" sz="1500"/>
-              <a:t>- Optimize production schedules based on demand.</a:t>
-            </a:r>
-          </a:p>
-          <a:p>
-            <a:pPr>
-              <a:lnSpc>
-                <a:spcPct val="90000"/>
-              </a:lnSpc>
-            </a:pPr>
-            <a:r>
-              <a:rPr lang="en-GB" sz="1500"/>
-              <a:t>Next Steps:</a:t>
-            </a:r>
-          </a:p>
-          <a:p>
-            <a:pPr>
-              <a:lnSpc>
-                <a:spcPct val="90000"/>
-              </a:lnSpc>
-            </a:pPr>
-            <a:r>
-              <a:rPr lang="en-GB" sz="1500"/>
-              <a:t>- Roll out email campaigns, adjust production schedules.</a:t>
-            </a:r>
+            <a:endParaRPr lang="en-GB" sz="1500" dirty="0"/>
           </a:p>
         </p:txBody>
       </p:sp>
